--- a/INTEL/Target Folders/SRN/SRNTGT058 R-21 Highway Bridge E105.pptx
+++ b/INTEL/Target Folders/SRN/SRNTGT058 R-21 Highway Bridge E105.pptx
@@ -109,7 +109,7 @@
   </p:defaultTextStyle>
   <p:extLst>
     <p:ext uri="{EFAFB233-063F-42B5-8137-9DF3F51BA10A}">
-      <p15:sldGuideLst xmlns:p15="http://schemas.microsoft.com/office/powerpoint/2012/main">
+      <p15:sldGuideLst xmlns:p15="http://schemas.microsoft.com/office/powerpoint/2012/main" xmlns="">
         <p15:guide id="1" orient="horz" pos="1620">
           <p15:clr>
             <a:srgbClr val="A4A3A4"/>
@@ -3269,7 +3269,7 @@
           <p:nvPr/>
         </p:nvPicPr>
         <p:blipFill>
-          <a:blip r:embed="rId14" cstate="print"/>
+          <a:blip r:embed="rId14" cstate="screen"/>
           <a:srcRect/>
           <a:stretch>
             <a:fillRect/>
@@ -3799,7 +3799,7 @@
           <p:cNvPr id="8" name="Kép 7">
             <a:extLst>
               <a:ext uri="{FF2B5EF4-FFF2-40B4-BE49-F238E27FC236}">
-                <a16:creationId xmlns:a16="http://schemas.microsoft.com/office/drawing/2014/main" id="{7A0C9DF6-B3B3-3D84-2B63-F5B2F0E0707A}"/>
+                <a16:creationId xmlns:a16="http://schemas.microsoft.com/office/drawing/2014/main" xmlns="" id="{7A0C9DF6-B3B3-3D84-2B63-F5B2F0E0707A}"/>
               </a:ext>
             </a:extLst>
           </p:cNvPr>
@@ -3809,7 +3809,7 @@
           <p:nvPr/>
         </p:nvPicPr>
         <p:blipFill>
-          <a:blip r:embed="rId2" cstate="print">
+          <a:blip r:embed="rId2" cstate="screen">
             <a:duotone>
               <a:prstClr val="black"/>
               <a:srgbClr val="D9C3A5">
@@ -3819,7 +3819,7 @@
             </a:duotone>
             <a:extLst>
               <a:ext uri="{BEBA8EAE-BF5A-486C-A8C5-ECC9F3942E4B}">
-                <a14:imgProps xmlns:a14="http://schemas.microsoft.com/office/drawing/2010/main">
+                <a14:imgProps xmlns:a14="http://schemas.microsoft.com/office/drawing/2010/main" xmlns="">
                   <a14:imgLayer r:embed="rId3">
                     <a14:imgEffect>
                       <a14:brightnessContrast bright="-20000" contrast="20000"/>
@@ -3828,7 +3828,7 @@
                 </a14:imgProps>
               </a:ext>
               <a:ext uri="{28A0092B-C50C-407E-A947-70E740481C1C}">
-                <a14:useLocalDpi xmlns:a14="http://schemas.microsoft.com/office/drawing/2010/main" val="0"/>
+                <a14:useLocalDpi xmlns:a14="http://schemas.microsoft.com/office/drawing/2010/main" xmlns="" val="0"/>
               </a:ext>
             </a:extLst>
           </a:blip>
@@ -3851,7 +3851,7 @@
           <p:cNvPr id="28" name="Kép 27">
             <a:extLst>
               <a:ext uri="{FF2B5EF4-FFF2-40B4-BE49-F238E27FC236}">
-                <a16:creationId xmlns:a16="http://schemas.microsoft.com/office/drawing/2014/main" id="{B4B9A08F-DAC1-BB52-5D76-5BE461FAF252}"/>
+                <a16:creationId xmlns:a16="http://schemas.microsoft.com/office/drawing/2014/main" xmlns="" id="{B4B9A08F-DAC1-BB52-5D76-5BE461FAF252}"/>
               </a:ext>
             </a:extLst>
           </p:cNvPr>
@@ -3861,7 +3861,7 @@
           <p:nvPr/>
         </p:nvPicPr>
         <p:blipFill>
-          <a:blip r:embed="rId4"/>
+          <a:blip r:embed="rId4" cstate="screen"/>
           <a:stretch>
             <a:fillRect/>
           </a:stretch>
@@ -4168,7 +4168,7 @@
           <p:cNvPr id="21" name="Prostokąt 33">
             <a:extLst>
               <a:ext uri="{FF2B5EF4-FFF2-40B4-BE49-F238E27FC236}">
-                <a16:creationId xmlns:a16="http://schemas.microsoft.com/office/drawing/2014/main" id="{E49849C0-5340-FFB1-A5AC-D1BDAE90C0E4}"/>
+                <a16:creationId xmlns:a16="http://schemas.microsoft.com/office/drawing/2014/main" xmlns="" id="{E49849C0-5340-FFB1-A5AC-D1BDAE90C0E4}"/>
               </a:ext>
             </a:extLst>
           </p:cNvPr>
@@ -4307,7 +4307,7 @@
           <p:cNvPr id="33" name="Prostokąt 36">
             <a:extLst>
               <a:ext uri="{FF2B5EF4-FFF2-40B4-BE49-F238E27FC236}">
-                <a16:creationId xmlns:a16="http://schemas.microsoft.com/office/drawing/2014/main" id="{436C7B94-5D55-3D78-833F-99BA8488EC5C}"/>
+                <a16:creationId xmlns:a16="http://schemas.microsoft.com/office/drawing/2014/main" xmlns="" id="{436C7B94-5D55-3D78-833F-99BA8488EC5C}"/>
               </a:ext>
             </a:extLst>
           </p:cNvPr>
@@ -4396,7 +4396,7 @@
           <p:cNvPr id="39" name="Háromszög 38">
             <a:extLst>
               <a:ext uri="{FF2B5EF4-FFF2-40B4-BE49-F238E27FC236}">
-                <a16:creationId xmlns:a16="http://schemas.microsoft.com/office/drawing/2014/main" id="{599FE571-AEAA-6E24-C9CB-1CDF64FC0761}"/>
+                <a16:creationId xmlns:a16="http://schemas.microsoft.com/office/drawing/2014/main" xmlns="" id="{599FE571-AEAA-6E24-C9CB-1CDF64FC0761}"/>
               </a:ext>
             </a:extLst>
           </p:cNvPr>
@@ -4448,7 +4448,7 @@
           <p:cNvPr id="51" name="Téglalap 50">
             <a:extLst>
               <a:ext uri="{FF2B5EF4-FFF2-40B4-BE49-F238E27FC236}">
-                <a16:creationId xmlns:a16="http://schemas.microsoft.com/office/drawing/2014/main" id="{849F8394-CDE0-9EB4-0A10-314515E83EC0}"/>
+                <a16:creationId xmlns:a16="http://schemas.microsoft.com/office/drawing/2014/main" xmlns="" id="{849F8394-CDE0-9EB4-0A10-314515E83EC0}"/>
               </a:ext>
             </a:extLst>
           </p:cNvPr>
@@ -4499,7 +4499,7 @@
           <p:cNvPr id="4" name="Kép 3">
             <a:extLst>
               <a:ext uri="{FF2B5EF4-FFF2-40B4-BE49-F238E27FC236}">
-                <a16:creationId xmlns:a16="http://schemas.microsoft.com/office/drawing/2014/main" id="{2582332E-BE2D-6281-C5B6-D4E7E034C860}"/>
+                <a16:creationId xmlns:a16="http://schemas.microsoft.com/office/drawing/2014/main" xmlns="" id="{2582332E-BE2D-6281-C5B6-D4E7E034C860}"/>
               </a:ext>
             </a:extLst>
           </p:cNvPr>
@@ -4512,7 +4512,7 @@
           <a:blip r:embed="rId5" cstate="print">
             <a:extLst>
               <a:ext uri="{28A0092B-C50C-407E-A947-70E740481C1C}">
-                <a14:useLocalDpi xmlns:a14="http://schemas.microsoft.com/office/drawing/2010/main" val="0"/>
+                <a14:useLocalDpi xmlns:a14="http://schemas.microsoft.com/office/drawing/2010/main" xmlns="" val="0"/>
               </a:ext>
             </a:extLst>
           </a:blip>
@@ -4535,7 +4535,7 @@
           <p:cNvPr id="6" name="Kép 5">
             <a:extLst>
               <a:ext uri="{FF2B5EF4-FFF2-40B4-BE49-F238E27FC236}">
-                <a16:creationId xmlns:a16="http://schemas.microsoft.com/office/drawing/2014/main" id="{8F557E24-D936-7AF1-2207-47EEDE09D66A}"/>
+                <a16:creationId xmlns:a16="http://schemas.microsoft.com/office/drawing/2014/main" xmlns="" id="{8F557E24-D936-7AF1-2207-47EEDE09D66A}"/>
               </a:ext>
             </a:extLst>
           </p:cNvPr>
@@ -4548,7 +4548,7 @@
           <a:blip r:embed="rId6" cstate="print">
             <a:extLst>
               <a:ext uri="{28A0092B-C50C-407E-A947-70E740481C1C}">
-                <a14:useLocalDpi xmlns:a14="http://schemas.microsoft.com/office/drawing/2010/main" val="0"/>
+                <a14:useLocalDpi xmlns:a14="http://schemas.microsoft.com/office/drawing/2010/main" xmlns="" val="0"/>
               </a:ext>
             </a:extLst>
           </a:blip>

--- a/INTEL/Target Folders/SRN/SRNTGT058 R-21 Highway Bridge E105.pptx
+++ b/INTEL/Target Folders/SRN/SRNTGT058 R-21 Highway Bridge E105.pptx
@@ -109,7 +109,7 @@
   </p:defaultTextStyle>
   <p:extLst>
     <p:ext uri="{EFAFB233-063F-42B5-8137-9DF3F51BA10A}">
-      <p15:sldGuideLst xmlns:p15="http://schemas.microsoft.com/office/powerpoint/2012/main" xmlns="">
+      <p15:sldGuideLst xmlns:p15="http://schemas.microsoft.com/office/powerpoint/2012/main">
         <p15:guide id="1" orient="horz" pos="1620">
           <p15:clr>
             <a:srgbClr val="A4A3A4"/>
@@ -209,7 +209,7 @@
             <a:fld id="{40637A30-8EE1-4060-9976-8832FC89EE34}" type="datetimeFigureOut">
               <a:rPr lang="nb-NO" smtClean="0"/>
               <a:pPr/>
-              <a:t>03.01.2025</a:t>
+              <a:t>04.01.2025</a:t>
             </a:fld>
             <a:endParaRPr lang="nb-NO"/>
           </a:p>
@@ -3799,7 +3799,7 @@
           <p:cNvPr id="8" name="Kép 7">
             <a:extLst>
               <a:ext uri="{FF2B5EF4-FFF2-40B4-BE49-F238E27FC236}">
-                <a16:creationId xmlns:a16="http://schemas.microsoft.com/office/drawing/2014/main" xmlns="" id="{7A0C9DF6-B3B3-3D84-2B63-F5B2F0E0707A}"/>
+                <a16:creationId xmlns:a16="http://schemas.microsoft.com/office/drawing/2014/main" id="{7A0C9DF6-B3B3-3D84-2B63-F5B2F0E0707A}"/>
               </a:ext>
             </a:extLst>
           </p:cNvPr>
@@ -3809,7 +3809,7 @@
           <p:nvPr/>
         </p:nvPicPr>
         <p:blipFill>
-          <a:blip r:embed="rId2" cstate="screen">
+          <a:blip r:embed="rId2" cstate="print">
             <a:duotone>
               <a:prstClr val="black"/>
               <a:srgbClr val="D9C3A5">
@@ -3819,7 +3819,7 @@
             </a:duotone>
             <a:extLst>
               <a:ext uri="{BEBA8EAE-BF5A-486C-A8C5-ECC9F3942E4B}">
-                <a14:imgProps xmlns:a14="http://schemas.microsoft.com/office/drawing/2010/main" xmlns="">
+                <a14:imgProps xmlns:a14="http://schemas.microsoft.com/office/drawing/2010/main">
                   <a14:imgLayer r:embed="rId3">
                     <a14:imgEffect>
                       <a14:brightnessContrast bright="-20000" contrast="20000"/>
@@ -3828,7 +3828,7 @@
                 </a14:imgProps>
               </a:ext>
               <a:ext uri="{28A0092B-C50C-407E-A947-70E740481C1C}">
-                <a14:useLocalDpi xmlns:a14="http://schemas.microsoft.com/office/drawing/2010/main" xmlns="" val="0"/>
+                <a14:useLocalDpi xmlns:a14="http://schemas.microsoft.com/office/drawing/2010/main" val="0"/>
               </a:ext>
             </a:extLst>
           </a:blip>
@@ -3851,7 +3851,7 @@
           <p:cNvPr id="28" name="Kép 27">
             <a:extLst>
               <a:ext uri="{FF2B5EF4-FFF2-40B4-BE49-F238E27FC236}">
-                <a16:creationId xmlns:a16="http://schemas.microsoft.com/office/drawing/2014/main" xmlns="" id="{B4B9A08F-DAC1-BB52-5D76-5BE461FAF252}"/>
+                <a16:creationId xmlns:a16="http://schemas.microsoft.com/office/drawing/2014/main" id="{B4B9A08F-DAC1-BB52-5D76-5BE461FAF252}"/>
               </a:ext>
             </a:extLst>
           </p:cNvPr>
@@ -4020,22 +4020,7 @@
                   <a:schemeClr val="tx1"/>
                 </a:solidFill>
               </a:rPr>
-              <a:t>A - PILLAR</a:t>
-            </a:r>
-            <a:endParaRPr lang="pl-PL" sz="1100">
-              <a:solidFill>
-                <a:schemeClr val="tx1"/>
-              </a:solidFill>
-            </a:endParaRPr>
-          </a:p>
-          <a:p>
-            <a:r>
-              <a:rPr lang="pt-BR" sz="1100" b="1">
-                <a:solidFill>
-                  <a:schemeClr val="tx1"/>
-                </a:solidFill>
-              </a:rPr>
-              <a:t>DPI1 </a:t>
+              <a:t>A – PILLAR – </a:t>
             </a:r>
             <a:r>
               <a:rPr lang="hu-HU" sz="1100">
@@ -4130,13 +4115,14 @@
           <p:cNvPr id="52" name="Straight Arrow Connector 51"/>
           <p:cNvCxnSpPr>
             <a:cxnSpLocks/>
+            <a:stCxn id="21" idx="2"/>
           </p:cNvCxnSpPr>
           <p:nvPr/>
         </p:nvCxnSpPr>
         <p:spPr>
           <a:xfrm>
-            <a:off x="2207618" y="2345314"/>
-            <a:ext cx="156164" cy="287055"/>
+            <a:off x="1974582" y="1933099"/>
+            <a:ext cx="389200" cy="699270"/>
           </a:xfrm>
           <a:prstGeom prst="straightConnector1">
             <a:avLst/>
@@ -4168,7 +4154,7 @@
           <p:cNvPr id="21" name="Prostokąt 33">
             <a:extLst>
               <a:ext uri="{FF2B5EF4-FFF2-40B4-BE49-F238E27FC236}">
-                <a16:creationId xmlns:a16="http://schemas.microsoft.com/office/drawing/2014/main" xmlns="" id="{E49849C0-5340-FFB1-A5AC-D1BDAE90C0E4}"/>
+                <a16:creationId xmlns:a16="http://schemas.microsoft.com/office/drawing/2014/main" id="{E49849C0-5340-FFB1-A5AC-D1BDAE90C0E4}"/>
               </a:ext>
             </a:extLst>
           </p:cNvPr>
@@ -4307,7 +4293,7 @@
           <p:cNvPr id="33" name="Prostokąt 36">
             <a:extLst>
               <a:ext uri="{FF2B5EF4-FFF2-40B4-BE49-F238E27FC236}">
-                <a16:creationId xmlns:a16="http://schemas.microsoft.com/office/drawing/2014/main" xmlns="" id="{436C7B94-5D55-3D78-833F-99BA8488EC5C}"/>
+                <a16:creationId xmlns:a16="http://schemas.microsoft.com/office/drawing/2014/main" id="{436C7B94-5D55-3D78-833F-99BA8488EC5C}"/>
               </a:ext>
             </a:extLst>
           </p:cNvPr>
@@ -4396,7 +4382,7 @@
           <p:cNvPr id="39" name="Háromszög 38">
             <a:extLst>
               <a:ext uri="{FF2B5EF4-FFF2-40B4-BE49-F238E27FC236}">
-                <a16:creationId xmlns:a16="http://schemas.microsoft.com/office/drawing/2014/main" xmlns="" id="{599FE571-AEAA-6E24-C9CB-1CDF64FC0761}"/>
+                <a16:creationId xmlns:a16="http://schemas.microsoft.com/office/drawing/2014/main" id="{599FE571-AEAA-6E24-C9CB-1CDF64FC0761}"/>
               </a:ext>
             </a:extLst>
           </p:cNvPr>
@@ -4443,63 +4429,12 @@
           </a:p>
         </p:txBody>
       </p:sp>
-      <p:sp>
-        <p:nvSpPr>
-          <p:cNvPr id="51" name="Téglalap 50">
-            <a:extLst>
-              <a:ext uri="{FF2B5EF4-FFF2-40B4-BE49-F238E27FC236}">
-                <a16:creationId xmlns:a16="http://schemas.microsoft.com/office/drawing/2014/main" xmlns="" id="{849F8394-CDE0-9EB4-0A10-314515E83EC0}"/>
-              </a:ext>
-            </a:extLst>
-          </p:cNvPr>
-          <p:cNvSpPr/>
-          <p:nvPr/>
-        </p:nvSpPr>
-        <p:spPr>
-          <a:xfrm>
-            <a:off x="1898708" y="1900932"/>
-            <a:ext cx="617819" cy="461665"/>
-          </a:xfrm>
-          <a:prstGeom prst="rect">
-            <a:avLst/>
-          </a:prstGeom>
-          <a:noFill/>
-        </p:spPr>
-        <p:txBody>
-          <a:bodyPr wrap="square" lIns="91440" tIns="45720" rIns="91440" bIns="45720">
-            <a:spAutoFit/>
-          </a:bodyPr>
-          <a:lstStyle/>
-          <a:p>
-            <a:pPr algn="ctr"/>
-            <a:r>
-              <a:rPr lang="hu-HU" sz="2400" b="1" cap="none" spc="0">
-                <a:ln w="6600">
-                  <a:solidFill>
-                    <a:schemeClr val="accent2"/>
-                  </a:solidFill>
-                  <a:prstDash val="solid"/>
-                </a:ln>
-                <a:solidFill>
-                  <a:srgbClr val="FFFFFF"/>
-                </a:solidFill>
-                <a:effectLst>
-                  <a:outerShdw dist="38100" dir="2700000" algn="tl" rotWithShape="0">
-                    <a:schemeClr val="accent2"/>
-                  </a:outerShdw>
-                </a:effectLst>
-              </a:rPr>
-              <a:t>1</a:t>
-            </a:r>
-          </a:p>
-        </p:txBody>
-      </p:sp>
       <p:pic>
         <p:nvPicPr>
           <p:cNvPr id="4" name="Kép 3">
             <a:extLst>
               <a:ext uri="{FF2B5EF4-FFF2-40B4-BE49-F238E27FC236}">
-                <a16:creationId xmlns:a16="http://schemas.microsoft.com/office/drawing/2014/main" xmlns="" id="{2582332E-BE2D-6281-C5B6-D4E7E034C860}"/>
+                <a16:creationId xmlns:a16="http://schemas.microsoft.com/office/drawing/2014/main" id="{2582332E-BE2D-6281-C5B6-D4E7E034C860}"/>
               </a:ext>
             </a:extLst>
           </p:cNvPr>
@@ -4512,7 +4447,7 @@
           <a:blip r:embed="rId5" cstate="print">
             <a:extLst>
               <a:ext uri="{28A0092B-C50C-407E-A947-70E740481C1C}">
-                <a14:useLocalDpi xmlns:a14="http://schemas.microsoft.com/office/drawing/2010/main" xmlns="" val="0"/>
+                <a14:useLocalDpi xmlns:a14="http://schemas.microsoft.com/office/drawing/2010/main" val="0"/>
               </a:ext>
             </a:extLst>
           </a:blip>
@@ -4535,7 +4470,7 @@
           <p:cNvPr id="6" name="Kép 5">
             <a:extLst>
               <a:ext uri="{FF2B5EF4-FFF2-40B4-BE49-F238E27FC236}">
-                <a16:creationId xmlns:a16="http://schemas.microsoft.com/office/drawing/2014/main" xmlns="" id="{8F557E24-D936-7AF1-2207-47EEDE09D66A}"/>
+                <a16:creationId xmlns:a16="http://schemas.microsoft.com/office/drawing/2014/main" id="{8F557E24-D936-7AF1-2207-47EEDE09D66A}"/>
               </a:ext>
             </a:extLst>
           </p:cNvPr>
@@ -4548,7 +4483,7 @@
           <a:blip r:embed="rId6" cstate="print">
             <a:extLst>
               <a:ext uri="{28A0092B-C50C-407E-A947-70E740481C1C}">
-                <a14:useLocalDpi xmlns:a14="http://schemas.microsoft.com/office/drawing/2010/main" xmlns="" val="0"/>
+                <a14:useLocalDpi xmlns:a14="http://schemas.microsoft.com/office/drawing/2010/main" val="0"/>
               </a:ext>
             </a:extLst>
           </a:blip>

--- a/INTEL/Target Folders/SRN/SRNTGT058 R-21 Highway Bridge E105.pptx
+++ b/INTEL/Target Folders/SRN/SRNTGT058 R-21 Highway Bridge E105.pptx
@@ -209,7 +209,7 @@
             <a:fld id="{40637A30-8EE1-4060-9976-8832FC89EE34}" type="datetimeFigureOut">
               <a:rPr lang="nb-NO" smtClean="0"/>
               <a:pPr/>
-              <a:t>04.01.2025</a:t>
+              <a:t>18.01.2025</a:t>
             </a:fld>
             <a:endParaRPr lang="nb-NO"/>
           </a:p>
@@ -4092,7 +4092,7 @@
                   <a:schemeClr val="tx1"/>
                 </a:solidFill>
               </a:rPr>
-              <a:t>50</a:t>
+              <a:t>2,00</a:t>
             </a:r>
             <a:r>
               <a:rPr lang="pt-BR" sz="1100">

--- a/INTEL/Target Folders/SRN/SRNTGT058 R-21 Highway Bridge E105.pptx
+++ b/INTEL/Target Folders/SRN/SRNTGT058 R-21 Highway Bridge E105.pptx
@@ -109,7 +109,7 @@
   </p:defaultTextStyle>
   <p:extLst>
     <p:ext uri="{EFAFB233-063F-42B5-8137-9DF3F51BA10A}">
-      <p15:sldGuideLst xmlns:p15="http://schemas.microsoft.com/office/powerpoint/2012/main">
+      <p15:sldGuideLst xmlns:p15="http://schemas.microsoft.com/office/powerpoint/2012/main" xmlns="">
         <p15:guide id="1" orient="horz" pos="1620">
           <p15:clr>
             <a:srgbClr val="A4A3A4"/>
@@ -209,7 +209,7 @@
             <a:fld id="{40637A30-8EE1-4060-9976-8832FC89EE34}" type="datetimeFigureOut">
               <a:rPr lang="nb-NO" smtClean="0"/>
               <a:pPr/>
-              <a:t>18.01.2025</a:t>
+              <a:t>18.03.2025</a:t>
             </a:fld>
             <a:endParaRPr lang="nb-NO"/>
           </a:p>
@@ -3799,7 +3799,7 @@
           <p:cNvPr id="8" name="Kép 7">
             <a:extLst>
               <a:ext uri="{FF2B5EF4-FFF2-40B4-BE49-F238E27FC236}">
-                <a16:creationId xmlns:a16="http://schemas.microsoft.com/office/drawing/2014/main" id="{7A0C9DF6-B3B3-3D84-2B63-F5B2F0E0707A}"/>
+                <a16:creationId xmlns:a16="http://schemas.microsoft.com/office/drawing/2014/main" xmlns="" id="{7A0C9DF6-B3B3-3D84-2B63-F5B2F0E0707A}"/>
               </a:ext>
             </a:extLst>
           </p:cNvPr>
@@ -3819,7 +3819,7 @@
             </a:duotone>
             <a:extLst>
               <a:ext uri="{BEBA8EAE-BF5A-486C-A8C5-ECC9F3942E4B}">
-                <a14:imgProps xmlns:a14="http://schemas.microsoft.com/office/drawing/2010/main">
+                <a14:imgProps xmlns:a14="http://schemas.microsoft.com/office/drawing/2010/main" xmlns="">
                   <a14:imgLayer r:embed="rId3">
                     <a14:imgEffect>
                       <a14:brightnessContrast bright="-20000" contrast="20000"/>
@@ -3828,7 +3828,7 @@
                 </a14:imgProps>
               </a:ext>
               <a:ext uri="{28A0092B-C50C-407E-A947-70E740481C1C}">
-                <a14:useLocalDpi xmlns:a14="http://schemas.microsoft.com/office/drawing/2010/main" val="0"/>
+                <a14:useLocalDpi xmlns:a14="http://schemas.microsoft.com/office/drawing/2010/main" xmlns="" val="0"/>
               </a:ext>
             </a:extLst>
           </a:blip>
@@ -3851,7 +3851,7 @@
           <p:cNvPr id="28" name="Kép 27">
             <a:extLst>
               <a:ext uri="{FF2B5EF4-FFF2-40B4-BE49-F238E27FC236}">
-                <a16:creationId xmlns:a16="http://schemas.microsoft.com/office/drawing/2014/main" id="{B4B9A08F-DAC1-BB52-5D76-5BE461FAF252}"/>
+                <a16:creationId xmlns:a16="http://schemas.microsoft.com/office/drawing/2014/main" xmlns="" id="{B4B9A08F-DAC1-BB52-5D76-5BE461FAF252}"/>
               </a:ext>
             </a:extLst>
           </p:cNvPr>
@@ -4154,7 +4154,7 @@
           <p:cNvPr id="21" name="Prostokąt 33">
             <a:extLst>
               <a:ext uri="{FF2B5EF4-FFF2-40B4-BE49-F238E27FC236}">
-                <a16:creationId xmlns:a16="http://schemas.microsoft.com/office/drawing/2014/main" id="{E49849C0-5340-FFB1-A5AC-D1BDAE90C0E4}"/>
+                <a16:creationId xmlns:a16="http://schemas.microsoft.com/office/drawing/2014/main" xmlns="" id="{E49849C0-5340-FFB1-A5AC-D1BDAE90C0E4}"/>
               </a:ext>
             </a:extLst>
           </p:cNvPr>
@@ -4293,7 +4293,7 @@
           <p:cNvPr id="33" name="Prostokąt 36">
             <a:extLst>
               <a:ext uri="{FF2B5EF4-FFF2-40B4-BE49-F238E27FC236}">
-                <a16:creationId xmlns:a16="http://schemas.microsoft.com/office/drawing/2014/main" id="{436C7B94-5D55-3D78-833F-99BA8488EC5C}"/>
+                <a16:creationId xmlns:a16="http://schemas.microsoft.com/office/drawing/2014/main" xmlns="" id="{436C7B94-5D55-3D78-833F-99BA8488EC5C}"/>
               </a:ext>
             </a:extLst>
           </p:cNvPr>
@@ -4382,7 +4382,7 @@
           <p:cNvPr id="39" name="Háromszög 38">
             <a:extLst>
               <a:ext uri="{FF2B5EF4-FFF2-40B4-BE49-F238E27FC236}">
-                <a16:creationId xmlns:a16="http://schemas.microsoft.com/office/drawing/2014/main" id="{599FE571-AEAA-6E24-C9CB-1CDF64FC0761}"/>
+                <a16:creationId xmlns:a16="http://schemas.microsoft.com/office/drawing/2014/main" xmlns="" id="{599FE571-AEAA-6E24-C9CB-1CDF64FC0761}"/>
               </a:ext>
             </a:extLst>
           </p:cNvPr>
@@ -4434,7 +4434,7 @@
           <p:cNvPr id="4" name="Kép 3">
             <a:extLst>
               <a:ext uri="{FF2B5EF4-FFF2-40B4-BE49-F238E27FC236}">
-                <a16:creationId xmlns:a16="http://schemas.microsoft.com/office/drawing/2014/main" id="{2582332E-BE2D-6281-C5B6-D4E7E034C860}"/>
+                <a16:creationId xmlns:a16="http://schemas.microsoft.com/office/drawing/2014/main" xmlns="" id="{2582332E-BE2D-6281-C5B6-D4E7E034C860}"/>
               </a:ext>
             </a:extLst>
           </p:cNvPr>
@@ -4447,7 +4447,7 @@
           <a:blip r:embed="rId5" cstate="print">
             <a:extLst>
               <a:ext uri="{28A0092B-C50C-407E-A947-70E740481C1C}">
-                <a14:useLocalDpi xmlns:a14="http://schemas.microsoft.com/office/drawing/2010/main" val="0"/>
+                <a14:useLocalDpi xmlns:a14="http://schemas.microsoft.com/office/drawing/2010/main" xmlns="" val="0"/>
               </a:ext>
             </a:extLst>
           </a:blip>
@@ -4470,7 +4470,7 @@
           <p:cNvPr id="6" name="Kép 5">
             <a:extLst>
               <a:ext uri="{FF2B5EF4-FFF2-40B4-BE49-F238E27FC236}">
-                <a16:creationId xmlns:a16="http://schemas.microsoft.com/office/drawing/2014/main" id="{8F557E24-D936-7AF1-2207-47EEDE09D66A}"/>
+                <a16:creationId xmlns:a16="http://schemas.microsoft.com/office/drawing/2014/main" xmlns="" id="{8F557E24-D936-7AF1-2207-47EEDE09D66A}"/>
               </a:ext>
             </a:extLst>
           </p:cNvPr>
@@ -4483,7 +4483,7 @@
           <a:blip r:embed="rId6" cstate="print">
             <a:extLst>
               <a:ext uri="{28A0092B-C50C-407E-A947-70E740481C1C}">
-                <a14:useLocalDpi xmlns:a14="http://schemas.microsoft.com/office/drawing/2010/main" val="0"/>
+                <a14:useLocalDpi xmlns:a14="http://schemas.microsoft.com/office/drawing/2010/main" xmlns="" val="0"/>
               </a:ext>
             </a:extLst>
           </a:blip>
